--- a/docs/PMLP_presentation.pptx
+++ b/docs/PMLP_presentation.pptx
@@ -903,7 +903,7 @@
   <p:cSld>
     <p:spTree>
       <p:nvGrpSpPr>
-        <p:cNvPr id="143" name="Shape 143"/>
+        <p:cNvPr id="144" name="Shape 144"/>
         <p:cNvGrpSpPr/>
         <p:nvPr/>
       </p:nvGrpSpPr>
@@ -917,7 +917,7 @@
       </p:grpSpPr>
       <p:sp>
         <p:nvSpPr>
-          <p:cNvPr id="144" name="Google Shape;144;p3:notes"/>
+          <p:cNvPr id="145" name="Google Shape;145;p3:notes"/>
           <p:cNvSpPr txBox="1"/>
           <p:nvPr>
             <p:ph idx="1" type="body"/>
@@ -956,7 +956,7 @@
       </p:sp>
       <p:sp>
         <p:nvSpPr>
-          <p:cNvPr id="145" name="Google Shape;145;p3:notes"/>
+          <p:cNvPr id="146" name="Google Shape;146;p3:notes"/>
           <p:cNvSpPr/>
           <p:nvPr>
             <p:ph idx="2" type="sldImg"/>
@@ -1002,7 +1002,7 @@
   <p:cSld>
     <p:spTree>
       <p:nvGrpSpPr>
-        <p:cNvPr id="156" name="Shape 156"/>
+        <p:cNvPr id="157" name="Shape 157"/>
         <p:cNvGrpSpPr/>
         <p:nvPr/>
       </p:nvGrpSpPr>
@@ -1016,7 +1016,7 @@
       </p:grpSpPr>
       <p:sp>
         <p:nvSpPr>
-          <p:cNvPr id="157" name="Google Shape;157;p8:notes"/>
+          <p:cNvPr id="158" name="Google Shape;158;p8:notes"/>
           <p:cNvSpPr txBox="1"/>
           <p:nvPr>
             <p:ph idx="1" type="body"/>
@@ -1055,7 +1055,7 @@
       </p:sp>
       <p:sp>
         <p:nvSpPr>
-          <p:cNvPr id="158" name="Google Shape;158;p8:notes"/>
+          <p:cNvPr id="159" name="Google Shape;159;p8:notes"/>
           <p:cNvSpPr/>
           <p:nvPr>
             <p:ph idx="2" type="sldImg"/>
@@ -1101,7 +1101,7 @@
   <p:cSld>
     <p:spTree>
       <p:nvGrpSpPr>
-        <p:cNvPr id="166" name="Shape 166"/>
+        <p:cNvPr id="167" name="Shape 167"/>
         <p:cNvGrpSpPr/>
         <p:nvPr/>
       </p:nvGrpSpPr>
@@ -1115,7 +1115,7 @@
       </p:grpSpPr>
       <p:sp>
         <p:nvSpPr>
-          <p:cNvPr id="167" name="Google Shape;167;p4:notes"/>
+          <p:cNvPr id="168" name="Google Shape;168;p4:notes"/>
           <p:cNvSpPr txBox="1"/>
           <p:nvPr>
             <p:ph idx="1" type="body"/>
@@ -1154,7 +1154,7 @@
       </p:sp>
       <p:sp>
         <p:nvSpPr>
-          <p:cNvPr id="168" name="Google Shape;168;p4:notes"/>
+          <p:cNvPr id="169" name="Google Shape;169;p4:notes"/>
           <p:cNvSpPr/>
           <p:nvPr>
             <p:ph idx="2" type="sldImg"/>
@@ -1200,7 +1200,7 @@
   <p:cSld>
     <p:spTree>
       <p:nvGrpSpPr>
-        <p:cNvPr id="184" name="Shape 184"/>
+        <p:cNvPr id="185" name="Shape 185"/>
         <p:cNvGrpSpPr/>
         <p:nvPr/>
       </p:nvGrpSpPr>
@@ -1214,7 +1214,7 @@
       </p:grpSpPr>
       <p:sp>
         <p:nvSpPr>
-          <p:cNvPr id="185" name="Google Shape;185;p5:notes"/>
+          <p:cNvPr id="186" name="Google Shape;186;p5:notes"/>
           <p:cNvSpPr txBox="1"/>
           <p:nvPr>
             <p:ph idx="1" type="body"/>
@@ -1253,7 +1253,7 @@
       </p:sp>
       <p:sp>
         <p:nvSpPr>
-          <p:cNvPr id="186" name="Google Shape;186;p5:notes"/>
+          <p:cNvPr id="187" name="Google Shape;187;p5:notes"/>
           <p:cNvSpPr/>
           <p:nvPr>
             <p:ph idx="2" type="sldImg"/>
@@ -1299,7 +1299,7 @@
   <p:cSld>
     <p:spTree>
       <p:nvGrpSpPr>
-        <p:cNvPr id="198" name="Shape 198"/>
+        <p:cNvPr id="199" name="Shape 199"/>
         <p:cNvGrpSpPr/>
         <p:nvPr/>
       </p:nvGrpSpPr>
@@ -1313,7 +1313,7 @@
       </p:grpSpPr>
       <p:sp>
         <p:nvSpPr>
-          <p:cNvPr id="199" name="Google Shape;199;p2:notes"/>
+          <p:cNvPr id="200" name="Google Shape;200;p2:notes"/>
           <p:cNvSpPr txBox="1"/>
           <p:nvPr>
             <p:ph idx="1" type="body"/>
@@ -1352,7 +1352,7 @@
       </p:sp>
       <p:sp>
         <p:nvSpPr>
-          <p:cNvPr id="200" name="Google Shape;200;p2:notes"/>
+          <p:cNvPr id="201" name="Google Shape;201;p2:notes"/>
           <p:cNvSpPr/>
           <p:nvPr>
             <p:ph idx="2" type="sldImg"/>
@@ -1398,7 +1398,7 @@
   <p:cSld>
     <p:spTree>
       <p:nvGrpSpPr>
-        <p:cNvPr id="207" name="Shape 207"/>
+        <p:cNvPr id="208" name="Shape 208"/>
         <p:cNvGrpSpPr/>
         <p:nvPr/>
       </p:nvGrpSpPr>
@@ -1412,7 +1412,7 @@
       </p:grpSpPr>
       <p:sp>
         <p:nvSpPr>
-          <p:cNvPr id="208" name="Google Shape;208;p12:notes"/>
+          <p:cNvPr id="209" name="Google Shape;209;p12:notes"/>
           <p:cNvSpPr txBox="1"/>
           <p:nvPr>
             <p:ph idx="1" type="body"/>
@@ -1451,7 +1451,7 @@
       </p:sp>
       <p:sp>
         <p:nvSpPr>
-          <p:cNvPr id="209" name="Google Shape;209;p12:notes"/>
+          <p:cNvPr id="210" name="Google Shape;210;p12:notes"/>
           <p:cNvSpPr/>
           <p:nvPr>
             <p:ph idx="2" type="sldImg"/>
@@ -1497,7 +1497,7 @@
   <p:cSld>
     <p:spTree>
       <p:nvGrpSpPr>
-        <p:cNvPr id="225" name="Shape 225"/>
+        <p:cNvPr id="226" name="Shape 226"/>
         <p:cNvGrpSpPr/>
         <p:nvPr/>
       </p:nvGrpSpPr>
@@ -1511,7 +1511,7 @@
       </p:grpSpPr>
       <p:sp>
         <p:nvSpPr>
-          <p:cNvPr id="226" name="Google Shape;226;p10:notes"/>
+          <p:cNvPr id="227" name="Google Shape;227;p10:notes"/>
           <p:cNvSpPr txBox="1"/>
           <p:nvPr>
             <p:ph idx="1" type="body"/>
@@ -1550,7 +1550,7 @@
       </p:sp>
       <p:sp>
         <p:nvSpPr>
-          <p:cNvPr id="227" name="Google Shape;227;p10:notes"/>
+          <p:cNvPr id="228" name="Google Shape;228;p10:notes"/>
           <p:cNvSpPr/>
           <p:nvPr>
             <p:ph idx="2" type="sldImg"/>
@@ -11898,7 +11898,7 @@
         </p:nvSpPr>
         <p:spPr>
           <a:xfrm>
-            <a:off x="0" y="-84400"/>
+            <a:off x="0" y="0"/>
             <a:ext cx="18288000" cy="10287000"/>
           </a:xfrm>
           <a:custGeom>
@@ -13531,6 +13531,34 @@
           </a:ln>
         </p:spPr>
       </p:sp>
+      <p:pic>
+        <p:nvPicPr>
+          <p:cNvPr id="143" name="Google Shape;143;p14" title="photo_2025-10-19_22-54-01.jpg"/>
+          <p:cNvPicPr preferRelativeResize="0"/>
+          <p:nvPr/>
+        </p:nvPicPr>
+        <p:blipFill>
+          <a:blip r:embed="rId10">
+            <a:alphaModFix/>
+          </a:blip>
+          <a:stretch>
+            <a:fillRect/>
+          </a:stretch>
+        </p:blipFill>
+        <p:spPr>
+          <a:xfrm>
+            <a:off x="11055513" y="2623750"/>
+            <a:ext cx="2595775" cy="2621475"/>
+          </a:xfrm>
+          <a:prstGeom prst="rect">
+            <a:avLst/>
+          </a:prstGeom>
+          <a:noFill/>
+          <a:ln>
+            <a:noFill/>
+          </a:ln>
+        </p:spPr>
+      </p:pic>
     </p:spTree>
   </p:cSld>
   <p:clrMapOvr>
@@ -13544,7 +13572,7 @@
   <p:cSld>
     <p:spTree>
       <p:nvGrpSpPr>
-        <p:cNvPr id="146" name="Shape 146"/>
+        <p:cNvPr id="147" name="Shape 147"/>
         <p:cNvGrpSpPr/>
         <p:nvPr/>
       </p:nvGrpSpPr>
@@ -13558,7 +13586,7 @@
       </p:grpSpPr>
       <p:sp>
         <p:nvSpPr>
-          <p:cNvPr id="147" name="Google Shape;147;p15"/>
+          <p:cNvPr id="148" name="Google Shape;148;p15"/>
           <p:cNvSpPr/>
           <p:nvPr/>
         </p:nvSpPr>
@@ -13605,7 +13633,7 @@
       </p:sp>
       <p:pic>
         <p:nvPicPr>
-          <p:cNvPr id="148" name="Google Shape;148;p15"/>
+          <p:cNvPr id="149" name="Google Shape;149;p15"/>
           <p:cNvPicPr preferRelativeResize="0"/>
           <p:nvPr/>
         </p:nvPicPr>
@@ -13632,7 +13660,7 @@
       </p:pic>
       <p:sp>
         <p:nvSpPr>
-          <p:cNvPr id="149" name="Google Shape;149;p15"/>
+          <p:cNvPr id="150" name="Google Shape;150;p15"/>
           <p:cNvSpPr txBox="1"/>
           <p:nvPr/>
         </p:nvSpPr>
@@ -13700,7 +13728,7 @@
       </p:sp>
       <p:sp>
         <p:nvSpPr>
-          <p:cNvPr id="150" name="Google Shape;150;p15"/>
+          <p:cNvPr id="151" name="Google Shape;151;p15"/>
           <p:cNvSpPr txBox="1"/>
           <p:nvPr/>
         </p:nvSpPr>
@@ -13744,7 +13772,7 @@
       </p:sp>
       <p:sp>
         <p:nvSpPr>
-          <p:cNvPr id="151" name="Google Shape;151;p15"/>
+          <p:cNvPr id="152" name="Google Shape;152;p15"/>
           <p:cNvSpPr txBox="1"/>
           <p:nvPr/>
         </p:nvSpPr>
@@ -13827,7 +13855,7 @@
       </p:sp>
       <p:grpSp>
         <p:nvGrpSpPr>
-          <p:cNvPr id="152" name="Google Shape;152;p15"/>
+          <p:cNvPr id="153" name="Google Shape;153;p15"/>
           <p:cNvGrpSpPr/>
           <p:nvPr/>
         </p:nvGrpSpPr>
@@ -13841,7 +13869,7 @@
         </p:grpSpPr>
         <p:cxnSp>
           <p:nvCxnSpPr>
-            <p:cNvPr id="153" name="Google Shape;153;p15"/>
+            <p:cNvPr id="154" name="Google Shape;154;p15"/>
             <p:cNvCxnSpPr/>
             <p:nvPr/>
           </p:nvCxnSpPr>
@@ -13867,7 +13895,7 @@
         </p:cxnSp>
         <p:sp>
           <p:nvSpPr>
-            <p:cNvPr id="154" name="Google Shape;154;p15"/>
+            <p:cNvPr id="155" name="Google Shape;155;p15"/>
             <p:cNvSpPr/>
             <p:nvPr/>
           </p:nvSpPr>
@@ -13914,7 +13942,7 @@
         </p:sp>
         <p:sp>
           <p:nvSpPr>
-            <p:cNvPr id="155" name="Google Shape;155;p15"/>
+            <p:cNvPr id="156" name="Google Shape;156;p15"/>
             <p:cNvSpPr/>
             <p:nvPr/>
           </p:nvSpPr>
@@ -13973,7 +14001,7 @@
   <p:cSld>
     <p:spTree>
       <p:nvGrpSpPr>
-        <p:cNvPr id="159" name="Shape 159"/>
+        <p:cNvPr id="160" name="Shape 160"/>
         <p:cNvGrpSpPr/>
         <p:nvPr/>
       </p:nvGrpSpPr>
@@ -13987,7 +14015,7 @@
       </p:grpSpPr>
       <p:sp>
         <p:nvSpPr>
-          <p:cNvPr id="160" name="Google Shape;160;p16"/>
+          <p:cNvPr id="161" name="Google Shape;161;p16"/>
           <p:cNvSpPr/>
           <p:nvPr/>
         </p:nvSpPr>
@@ -14034,7 +14062,7 @@
       </p:sp>
       <p:cxnSp>
         <p:nvCxnSpPr>
-          <p:cNvPr id="161" name="Google Shape;161;p16"/>
+          <p:cNvPr id="162" name="Google Shape;162;p16"/>
           <p:cNvCxnSpPr/>
           <p:nvPr/>
         </p:nvCxnSpPr>
@@ -14060,7 +14088,7 @@
       </p:cxnSp>
       <p:cxnSp>
         <p:nvCxnSpPr>
-          <p:cNvPr id="162" name="Google Shape;162;p16"/>
+          <p:cNvPr id="163" name="Google Shape;163;p16"/>
           <p:cNvCxnSpPr/>
           <p:nvPr/>
         </p:nvCxnSpPr>
@@ -14086,7 +14114,7 @@
       </p:cxnSp>
       <p:sp>
         <p:nvSpPr>
-          <p:cNvPr id="163" name="Google Shape;163;p16"/>
+          <p:cNvPr id="164" name="Google Shape;164;p16"/>
           <p:cNvSpPr txBox="1"/>
           <p:nvPr/>
         </p:nvSpPr>
@@ -14181,7 +14209,7 @@
       </p:sp>
       <p:sp>
         <p:nvSpPr>
-          <p:cNvPr id="164" name="Google Shape;164;p16"/>
+          <p:cNvPr id="165" name="Google Shape;165;p16"/>
           <p:cNvSpPr txBox="1"/>
           <p:nvPr/>
         </p:nvSpPr>
@@ -14490,7 +14518,7 @@
       </p:sp>
       <p:pic>
         <p:nvPicPr>
-          <p:cNvPr id="165" name="Google Shape;165;p16" title="Gemini_Generated_Image_uki05nuki05nuki0.png"/>
+          <p:cNvPr id="166" name="Google Shape;166;p16" title="Gemini_Generated_Image_uki05nuki05nuki0.png"/>
           <p:cNvPicPr preferRelativeResize="0"/>
           <p:nvPr/>
         </p:nvPicPr>
@@ -14529,7 +14557,7 @@
   <p:cSld>
     <p:spTree>
       <p:nvGrpSpPr>
-        <p:cNvPr id="169" name="Shape 169"/>
+        <p:cNvPr id="170" name="Shape 170"/>
         <p:cNvGrpSpPr/>
         <p:nvPr/>
       </p:nvGrpSpPr>
@@ -14543,7 +14571,7 @@
       </p:grpSpPr>
       <p:sp>
         <p:nvSpPr>
-          <p:cNvPr id="170" name="Google Shape;170;p17"/>
+          <p:cNvPr id="171" name="Google Shape;171;p17"/>
           <p:cNvSpPr/>
           <p:nvPr/>
         </p:nvSpPr>
@@ -14590,7 +14618,7 @@
       </p:sp>
       <p:cxnSp>
         <p:nvCxnSpPr>
-          <p:cNvPr id="171" name="Google Shape;171;p17"/>
+          <p:cNvPr id="172" name="Google Shape;172;p17"/>
           <p:cNvCxnSpPr/>
           <p:nvPr/>
         </p:nvCxnSpPr>
@@ -14616,7 +14644,7 @@
       </p:cxnSp>
       <p:cxnSp>
         <p:nvCxnSpPr>
-          <p:cNvPr id="172" name="Google Shape;172;p17"/>
+          <p:cNvPr id="173" name="Google Shape;173;p17"/>
           <p:cNvCxnSpPr/>
           <p:nvPr/>
         </p:nvCxnSpPr>
@@ -14642,7 +14670,7 @@
       </p:cxnSp>
       <p:sp>
         <p:nvSpPr>
-          <p:cNvPr id="173" name="Google Shape;173;p17"/>
+          <p:cNvPr id="174" name="Google Shape;174;p17"/>
           <p:cNvSpPr/>
           <p:nvPr/>
         </p:nvSpPr>
@@ -14689,7 +14717,7 @@
       </p:sp>
       <p:sp>
         <p:nvSpPr>
-          <p:cNvPr id="174" name="Google Shape;174;p17"/>
+          <p:cNvPr id="175" name="Google Shape;175;p17"/>
           <p:cNvSpPr txBox="1"/>
           <p:nvPr/>
         </p:nvSpPr>
@@ -14742,7 +14770,7 @@
       </p:sp>
       <p:sp>
         <p:nvSpPr>
-          <p:cNvPr id="175" name="Google Shape;175;p17"/>
+          <p:cNvPr id="176" name="Google Shape;176;p17"/>
           <p:cNvSpPr txBox="1"/>
           <p:nvPr/>
         </p:nvSpPr>
@@ -14811,7 +14839,7 @@
       </p:sp>
       <p:grpSp>
         <p:nvGrpSpPr>
-          <p:cNvPr id="176" name="Google Shape;176;p17"/>
+          <p:cNvPr id="177" name="Google Shape;177;p17"/>
           <p:cNvGrpSpPr/>
           <p:nvPr/>
         </p:nvGrpSpPr>
@@ -14825,7 +14853,7 @@
         </p:grpSpPr>
         <p:sp>
           <p:nvSpPr>
-            <p:cNvPr id="177" name="Google Shape;177;p17"/>
+            <p:cNvPr id="178" name="Google Shape;178;p17"/>
             <p:cNvSpPr/>
             <p:nvPr/>
           </p:nvSpPr>
@@ -14872,7 +14900,7 @@
         </p:sp>
         <p:sp>
           <p:nvSpPr>
-            <p:cNvPr id="178" name="Google Shape;178;p17"/>
+            <p:cNvPr id="179" name="Google Shape;179;p17"/>
             <p:cNvSpPr txBox="1"/>
             <p:nvPr/>
           </p:nvSpPr>
@@ -14926,7 +14954,7 @@
       </p:grpSp>
       <p:grpSp>
         <p:nvGrpSpPr>
-          <p:cNvPr id="179" name="Google Shape;179;p17"/>
+          <p:cNvPr id="180" name="Google Shape;180;p17"/>
           <p:cNvGrpSpPr/>
           <p:nvPr/>
         </p:nvGrpSpPr>
@@ -14940,7 +14968,7 @@
         </p:grpSpPr>
         <p:sp>
           <p:nvSpPr>
-            <p:cNvPr id="180" name="Google Shape;180;p17"/>
+            <p:cNvPr id="181" name="Google Shape;181;p17"/>
             <p:cNvSpPr/>
             <p:nvPr/>
           </p:nvSpPr>
@@ -14987,7 +15015,7 @@
         </p:sp>
         <p:sp>
           <p:nvSpPr>
-            <p:cNvPr id="181" name="Google Shape;181;p17"/>
+            <p:cNvPr id="182" name="Google Shape;182;p17"/>
             <p:cNvSpPr txBox="1"/>
             <p:nvPr/>
           </p:nvSpPr>
@@ -15049,7 +15077,7 @@
       </p:grpSp>
       <p:sp>
         <p:nvSpPr>
-          <p:cNvPr id="182" name="Google Shape;182;p17"/>
+          <p:cNvPr id="183" name="Google Shape;183;p17"/>
           <p:cNvSpPr txBox="1"/>
           <p:nvPr/>
         </p:nvSpPr>
@@ -15140,7 +15168,7 @@
       </p:sp>
       <p:sp>
         <p:nvSpPr>
-          <p:cNvPr id="183" name="Google Shape;183;p17"/>
+          <p:cNvPr id="184" name="Google Shape;184;p17"/>
           <p:cNvSpPr txBox="1"/>
           <p:nvPr/>
         </p:nvSpPr>
@@ -15196,7 +15224,7 @@
   <p:cSld>
     <p:spTree>
       <p:nvGrpSpPr>
-        <p:cNvPr id="187" name="Shape 187"/>
+        <p:cNvPr id="188" name="Shape 188"/>
         <p:cNvGrpSpPr/>
         <p:nvPr/>
       </p:nvGrpSpPr>
@@ -15210,7 +15238,7 @@
       </p:grpSpPr>
       <p:sp>
         <p:nvSpPr>
-          <p:cNvPr id="188" name="Google Shape;188;p18"/>
+          <p:cNvPr id="189" name="Google Shape;189;p18"/>
           <p:cNvSpPr/>
           <p:nvPr/>
         </p:nvSpPr>
@@ -15257,7 +15285,7 @@
       </p:sp>
       <p:grpSp>
         <p:nvGrpSpPr>
-          <p:cNvPr id="189" name="Google Shape;189;p18"/>
+          <p:cNvPr id="190" name="Google Shape;190;p18"/>
           <p:cNvGrpSpPr/>
           <p:nvPr/>
         </p:nvGrpSpPr>
@@ -15271,7 +15299,7 @@
         </p:grpSpPr>
         <p:sp>
           <p:nvSpPr>
-            <p:cNvPr id="190" name="Google Shape;190;p18"/>
+            <p:cNvPr id="191" name="Google Shape;191;p18"/>
             <p:cNvSpPr/>
             <p:nvPr/>
           </p:nvSpPr>
@@ -15315,7 +15343,7 @@
         </p:sp>
         <p:sp>
           <p:nvSpPr>
-            <p:cNvPr id="191" name="Google Shape;191;p18"/>
+            <p:cNvPr id="192" name="Google Shape;192;p18"/>
             <p:cNvSpPr/>
             <p:nvPr/>
           </p:nvSpPr>
@@ -15406,7 +15434,7 @@
       </p:grpSp>
       <p:grpSp>
         <p:nvGrpSpPr>
-          <p:cNvPr id="192" name="Google Shape;192;p18"/>
+          <p:cNvPr id="193" name="Google Shape;193;p18"/>
           <p:cNvGrpSpPr/>
           <p:nvPr/>
         </p:nvGrpSpPr>
@@ -15420,7 +15448,7 @@
         </p:grpSpPr>
         <p:sp>
           <p:nvSpPr>
-            <p:cNvPr id="193" name="Google Shape;193;p18"/>
+            <p:cNvPr id="194" name="Google Shape;194;p18"/>
             <p:cNvSpPr/>
             <p:nvPr/>
           </p:nvSpPr>
@@ -15464,7 +15492,7 @@
         </p:sp>
         <p:sp>
           <p:nvSpPr>
-            <p:cNvPr id="194" name="Google Shape;194;p18"/>
+            <p:cNvPr id="195" name="Google Shape;195;p18"/>
             <p:cNvSpPr/>
             <p:nvPr/>
           </p:nvSpPr>
@@ -15555,7 +15583,7 @@
       </p:grpSp>
       <p:sp>
         <p:nvSpPr>
-          <p:cNvPr id="195" name="Google Shape;195;p18"/>
+          <p:cNvPr id="196" name="Google Shape;196;p18"/>
           <p:cNvSpPr/>
           <p:nvPr/>
         </p:nvSpPr>
@@ -15602,7 +15630,7 @@
       </p:sp>
       <p:sp>
         <p:nvSpPr>
-          <p:cNvPr id="196" name="Google Shape;196;p18"/>
+          <p:cNvPr id="197" name="Google Shape;197;p18"/>
           <p:cNvSpPr txBox="1"/>
           <p:nvPr/>
         </p:nvSpPr>
@@ -15652,14 +15680,14 @@
       </p:sp>
       <p:sp>
         <p:nvSpPr>
-          <p:cNvPr id="197" name="Google Shape;197;p18"/>
+          <p:cNvPr id="198" name="Google Shape;198;p18"/>
           <p:cNvSpPr txBox="1"/>
           <p:nvPr/>
         </p:nvSpPr>
         <p:spPr>
           <a:xfrm>
             <a:off x="8302500" y="2405975"/>
-            <a:ext cx="9203700" cy="7665300"/>
+            <a:ext cx="9203700" cy="7819200"/>
           </a:xfrm>
           <a:prstGeom prst="rect">
             <a:avLst/>
@@ -15895,26 +15923,22 @@
             </a:endParaRPr>
           </a:p>
           <a:p>
-            <a:pPr indent="-381000" lvl="0" marL="457200" rtl="0" algn="l">
+            <a:pPr indent="0" lvl="0" marL="457200" rtl="0" algn="l">
               <a:lnSpc>
                 <a:spcPct val="115000"/>
               </a:lnSpc>
               <a:spcBef>
-                <a:spcPts val="0"/>
-              </a:spcBef>
-              <a:spcAft>
-                <a:spcPts val="0"/>
-              </a:spcAft>
-              <a:buClr>
-                <a:schemeClr val="dk1"/>
-              </a:buClr>
-              <a:buSzPts val="2400"/>
-              <a:buAutoNum type="arabicPeriod"/>
+                <a:spcPts val="1200"/>
+              </a:spcBef>
+              <a:spcAft>
+                <a:spcPts val="0"/>
+              </a:spcAft>
+              <a:buNone/>
             </a:pPr>
             <a:r>
               <a:t/>
             </a:r>
-            <a:endParaRPr sz="2400">
+            <a:endParaRPr b="1" sz="2400">
               <a:solidFill>
                 <a:schemeClr val="dk1"/>
               </a:solidFill>
@@ -15970,7 +15994,7 @@
   <p:cSld>
     <p:spTree>
       <p:nvGrpSpPr>
-        <p:cNvPr id="201" name="Shape 201"/>
+        <p:cNvPr id="202" name="Shape 202"/>
         <p:cNvGrpSpPr/>
         <p:nvPr/>
       </p:nvGrpSpPr>
@@ -15984,7 +16008,7 @@
       </p:grpSpPr>
       <p:sp>
         <p:nvSpPr>
-          <p:cNvPr id="202" name="Google Shape;202;p19"/>
+          <p:cNvPr id="203" name="Google Shape;203;p19"/>
           <p:cNvSpPr/>
           <p:nvPr/>
         </p:nvSpPr>
@@ -16031,7 +16055,7 @@
       </p:sp>
       <p:sp>
         <p:nvSpPr>
-          <p:cNvPr id="203" name="Google Shape;203;p19"/>
+          <p:cNvPr id="204" name="Google Shape;204;p19"/>
           <p:cNvSpPr/>
           <p:nvPr/>
         </p:nvSpPr>
@@ -16078,7 +16102,7 @@
       </p:sp>
       <p:sp>
         <p:nvSpPr>
-          <p:cNvPr id="204" name="Google Shape;204;p19"/>
+          <p:cNvPr id="205" name="Google Shape;205;p19"/>
           <p:cNvSpPr/>
           <p:nvPr/>
         </p:nvSpPr>
@@ -16125,7 +16149,7 @@
       </p:sp>
       <p:sp>
         <p:nvSpPr>
-          <p:cNvPr id="205" name="Google Shape;205;p19"/>
+          <p:cNvPr id="206" name="Google Shape;206;p19"/>
           <p:cNvSpPr txBox="1"/>
           <p:nvPr/>
         </p:nvSpPr>
@@ -16178,7 +16202,7 @@
       </p:sp>
       <p:pic>
         <p:nvPicPr>
-          <p:cNvPr id="206" name="Google Shape;206;p19" title="профиль_клиента_для_видтоку.jpg"/>
+          <p:cNvPr id="207" name="Google Shape;207;p19" title="профиль_клиента_для_видтоку.jpg"/>
           <p:cNvPicPr preferRelativeResize="0"/>
           <p:nvPr/>
         </p:nvPicPr>
@@ -16217,7 +16241,7 @@
   <p:cSld>
     <p:spTree>
       <p:nvGrpSpPr>
-        <p:cNvPr id="210" name="Shape 210"/>
+        <p:cNvPr id="211" name="Shape 211"/>
         <p:cNvGrpSpPr/>
         <p:nvPr/>
       </p:nvGrpSpPr>
@@ -16231,7 +16255,7 @@
       </p:grpSpPr>
       <p:sp>
         <p:nvSpPr>
-          <p:cNvPr id="211" name="Google Shape;211;p20"/>
+          <p:cNvPr id="212" name="Google Shape;212;p20"/>
           <p:cNvSpPr/>
           <p:nvPr/>
         </p:nvSpPr>
@@ -16278,7 +16302,7 @@
       </p:sp>
       <p:sp>
         <p:nvSpPr>
-          <p:cNvPr id="212" name="Google Shape;212;p20"/>
+          <p:cNvPr id="213" name="Google Shape;213;p20"/>
           <p:cNvSpPr/>
           <p:nvPr/>
         </p:nvSpPr>
@@ -16325,7 +16349,7 @@
       </p:sp>
       <p:sp>
         <p:nvSpPr>
-          <p:cNvPr id="213" name="Google Shape;213;p20"/>
+          <p:cNvPr id="214" name="Google Shape;214;p20"/>
           <p:cNvSpPr txBox="1"/>
           <p:nvPr/>
         </p:nvSpPr>
@@ -16375,7 +16399,7 @@
       </p:sp>
       <p:grpSp>
         <p:nvGrpSpPr>
-          <p:cNvPr id="214" name="Google Shape;214;p20"/>
+          <p:cNvPr id="215" name="Google Shape;215;p20"/>
           <p:cNvGrpSpPr/>
           <p:nvPr/>
         </p:nvGrpSpPr>
@@ -16389,7 +16413,7 @@
         </p:grpSpPr>
         <p:sp>
           <p:nvSpPr>
-            <p:cNvPr id="215" name="Google Shape;215;p20"/>
+            <p:cNvPr id="216" name="Google Shape;216;p20"/>
             <p:cNvSpPr txBox="1"/>
             <p:nvPr/>
           </p:nvSpPr>
@@ -16454,7 +16478,7 @@
         </p:sp>
         <p:sp>
           <p:nvSpPr>
-            <p:cNvPr id="216" name="Google Shape;216;p20"/>
+            <p:cNvPr id="217" name="Google Shape;217;p20"/>
             <p:cNvSpPr txBox="1"/>
             <p:nvPr/>
           </p:nvSpPr>
@@ -16527,7 +16551,7 @@
       </p:grpSp>
       <p:grpSp>
         <p:nvGrpSpPr>
-          <p:cNvPr id="217" name="Google Shape;217;p20"/>
+          <p:cNvPr id="218" name="Google Shape;218;p20"/>
           <p:cNvGrpSpPr/>
           <p:nvPr/>
         </p:nvGrpSpPr>
@@ -16541,7 +16565,7 @@
         </p:grpSpPr>
         <p:sp>
           <p:nvSpPr>
-            <p:cNvPr id="218" name="Google Shape;218;p20"/>
+            <p:cNvPr id="219" name="Google Shape;219;p20"/>
             <p:cNvSpPr txBox="1"/>
             <p:nvPr/>
           </p:nvSpPr>
@@ -16622,7 +16646,7 @@
         </p:sp>
         <p:sp>
           <p:nvSpPr>
-            <p:cNvPr id="219" name="Google Shape;219;p20"/>
+            <p:cNvPr id="220" name="Google Shape;220;p20"/>
             <p:cNvSpPr txBox="1"/>
             <p:nvPr/>
           </p:nvSpPr>
@@ -16701,7 +16725,7 @@
       </p:grpSp>
       <p:grpSp>
         <p:nvGrpSpPr>
-          <p:cNvPr id="220" name="Google Shape;220;p20"/>
+          <p:cNvPr id="221" name="Google Shape;221;p20"/>
           <p:cNvGrpSpPr/>
           <p:nvPr/>
         </p:nvGrpSpPr>
@@ -16715,7 +16739,7 @@
         </p:grpSpPr>
         <p:sp>
           <p:nvSpPr>
-            <p:cNvPr id="221" name="Google Shape;221;p20"/>
+            <p:cNvPr id="222" name="Google Shape;222;p20"/>
             <p:cNvSpPr txBox="1"/>
             <p:nvPr/>
           </p:nvSpPr>
@@ -16796,7 +16820,7 @@
         </p:sp>
         <p:sp>
           <p:nvSpPr>
-            <p:cNvPr id="222" name="Google Shape;222;p20"/>
+            <p:cNvPr id="223" name="Google Shape;223;p20"/>
             <p:cNvSpPr txBox="1"/>
             <p:nvPr/>
           </p:nvSpPr>
@@ -16894,7 +16918,7 @@
       </p:grpSp>
       <p:sp>
         <p:nvSpPr>
-          <p:cNvPr id="223" name="Google Shape;223;p20"/>
+          <p:cNvPr id="224" name="Google Shape;224;p20"/>
           <p:cNvSpPr/>
           <p:nvPr/>
         </p:nvSpPr>
@@ -16941,7 +16965,7 @@
       </p:sp>
       <p:cxnSp>
         <p:nvCxnSpPr>
-          <p:cNvPr id="224" name="Google Shape;224;p20"/>
+          <p:cNvPr id="225" name="Google Shape;225;p20"/>
           <p:cNvCxnSpPr/>
           <p:nvPr/>
         </p:nvCxnSpPr>
@@ -16978,7 +17002,7 @@
   <p:cSld>
     <p:spTree>
       <p:nvGrpSpPr>
-        <p:cNvPr id="228" name="Shape 228"/>
+        <p:cNvPr id="229" name="Shape 229"/>
         <p:cNvGrpSpPr/>
         <p:nvPr/>
       </p:nvGrpSpPr>
@@ -16992,7 +17016,7 @@
       </p:grpSpPr>
       <p:sp>
         <p:nvSpPr>
-          <p:cNvPr id="229" name="Google Shape;229;p21"/>
+          <p:cNvPr id="230" name="Google Shape;230;p21"/>
           <p:cNvSpPr/>
           <p:nvPr/>
         </p:nvSpPr>
@@ -17039,7 +17063,7 @@
       </p:sp>
       <p:sp>
         <p:nvSpPr>
-          <p:cNvPr id="230" name="Google Shape;230;p21"/>
+          <p:cNvPr id="231" name="Google Shape;231;p21"/>
           <p:cNvSpPr txBox="1"/>
           <p:nvPr/>
         </p:nvSpPr>
@@ -17101,7 +17125,7 @@
       </p:sp>
       <p:cxnSp>
         <p:nvCxnSpPr>
-          <p:cNvPr id="231" name="Google Shape;231;p21"/>
+          <p:cNvPr id="232" name="Google Shape;232;p21"/>
           <p:cNvCxnSpPr/>
           <p:nvPr/>
         </p:nvCxnSpPr>
@@ -17127,7 +17151,7 @@
       </p:cxnSp>
       <p:sp>
         <p:nvSpPr>
-          <p:cNvPr id="232" name="Google Shape;232;p21"/>
+          <p:cNvPr id="233" name="Google Shape;233;p21"/>
           <p:cNvSpPr txBox="1"/>
           <p:nvPr/>
         </p:nvSpPr>
@@ -17172,7 +17196,7 @@
       </p:sp>
       <p:sp>
         <p:nvSpPr>
-          <p:cNvPr id="233" name="Google Shape;233;p21"/>
+          <p:cNvPr id="234" name="Google Shape;234;p21"/>
           <p:cNvSpPr txBox="1"/>
           <p:nvPr/>
         </p:nvSpPr>
@@ -17217,7 +17241,7 @@
       </p:sp>
       <p:sp>
         <p:nvSpPr>
-          <p:cNvPr id="234" name="Google Shape;234;p21"/>
+          <p:cNvPr id="235" name="Google Shape;235;p21"/>
           <p:cNvSpPr txBox="1"/>
           <p:nvPr/>
         </p:nvSpPr>
@@ -17270,7 +17294,7 @@
       </p:sp>
       <p:sp>
         <p:nvSpPr>
-          <p:cNvPr id="235" name="Google Shape;235;p21"/>
+          <p:cNvPr id="236" name="Google Shape;236;p21"/>
           <p:cNvSpPr txBox="1"/>
           <p:nvPr/>
         </p:nvSpPr>
@@ -17315,7 +17339,7 @@
       </p:sp>
       <p:sp>
         <p:nvSpPr>
-          <p:cNvPr id="236" name="Google Shape;236;p21"/>
+          <p:cNvPr id="237" name="Google Shape;237;p21"/>
           <p:cNvSpPr/>
           <p:nvPr/>
         </p:nvSpPr>
@@ -17362,7 +17386,7 @@
       </p:sp>
       <p:sp>
         <p:nvSpPr>
-          <p:cNvPr id="237" name="Google Shape;237;p21"/>
+          <p:cNvPr id="238" name="Google Shape;238;p21"/>
           <p:cNvSpPr/>
           <p:nvPr/>
         </p:nvSpPr>
@@ -17409,7 +17433,7 @@
       </p:sp>
       <p:sp>
         <p:nvSpPr>
-          <p:cNvPr id="238" name="Google Shape;238;p21"/>
+          <p:cNvPr id="239" name="Google Shape;239;p21"/>
           <p:cNvSpPr/>
           <p:nvPr/>
         </p:nvSpPr>
@@ -17456,7 +17480,7 @@
       </p:sp>
       <p:sp>
         <p:nvSpPr>
-          <p:cNvPr id="239" name="Google Shape;239;p21"/>
+          <p:cNvPr id="240" name="Google Shape;240;p21"/>
           <p:cNvSpPr/>
           <p:nvPr/>
         </p:nvSpPr>
@@ -17503,7 +17527,7 @@
       </p:sp>
       <p:sp>
         <p:nvSpPr>
-          <p:cNvPr id="240" name="Google Shape;240;p21"/>
+          <p:cNvPr id="241" name="Google Shape;241;p21"/>
           <p:cNvSpPr/>
           <p:nvPr/>
         </p:nvSpPr>
@@ -17557,6 +17581,285 @@
 </file>
 
 <file path=ppt/theme/theme1.xml><?xml version="1.0" encoding="utf-8"?>
+<a:theme xmlns:a="http://schemas.openxmlformats.org/drawingml/2006/main" xmlns:r="http://schemas.openxmlformats.org/officeDocument/2006/relationships" name="Office Theme">
+  <a:themeElements>
+    <a:clrScheme name="Office">
+      <a:dk1>
+        <a:srgbClr val="000000"/>
+      </a:dk1>
+      <a:lt1>
+        <a:srgbClr val="FFFFFF"/>
+      </a:lt1>
+      <a:dk2>
+        <a:srgbClr val="1F497D"/>
+      </a:dk2>
+      <a:lt2>
+        <a:srgbClr val="EEECE1"/>
+      </a:lt2>
+      <a:accent1>
+        <a:srgbClr val="4F81BD"/>
+      </a:accent1>
+      <a:accent2>
+        <a:srgbClr val="C0504D"/>
+      </a:accent2>
+      <a:accent3>
+        <a:srgbClr val="9BBB59"/>
+      </a:accent3>
+      <a:accent4>
+        <a:srgbClr val="8064A2"/>
+      </a:accent4>
+      <a:accent5>
+        <a:srgbClr val="4BACC6"/>
+      </a:accent5>
+      <a:accent6>
+        <a:srgbClr val="F79646"/>
+      </a:accent6>
+      <a:hlink>
+        <a:srgbClr val="0000FF"/>
+      </a:hlink>
+      <a:folHlink>
+        <a:srgbClr val="800080"/>
+      </a:folHlink>
+    </a:clrScheme>
+    <a:fontScheme name="Office">
+      <a:majorFont>
+        <a:latin typeface="Arial"/>
+        <a:ea typeface=""/>
+        <a:cs typeface=""/>
+        <a:font script="Jpan" typeface="ＭＳ Ｐゴシック"/>
+        <a:font script="Hang" typeface="맑은 고딕"/>
+        <a:font script="Hans" typeface="宋体"/>
+        <a:font script="Hant" typeface="新細明體"/>
+        <a:font script="Arab" typeface="Times New Roman"/>
+        <a:font script="Hebr" typeface="Times New Roman"/>
+        <a:font script="Thai" typeface="Angsana New"/>
+        <a:font script="Ethi" typeface="Nyala"/>
+        <a:font script="Beng" typeface="Vrinda"/>
+        <a:font script="Gujr" typeface="Shruti"/>
+        <a:font script="Khmr" typeface="MoolBoran"/>
+        <a:font script="Knda" typeface="Tunga"/>
+        <a:font script="Guru" typeface="Raavi"/>
+        <a:font script="Cans" typeface="Euphemia"/>
+        <a:font script="Cher" typeface="Plantagenet Cherokee"/>
+        <a:font script="Yiii" typeface="Microsoft Yi Baiti"/>
+        <a:font script="Tibt" typeface="Microsoft Himalaya"/>
+        <a:font script="Thaa" typeface="MV Boli"/>
+        <a:font script="Deva" typeface="Mangal"/>
+        <a:font script="Telu" typeface="Gautami"/>
+        <a:font script="Taml" typeface="Latha"/>
+        <a:font script="Syrc" typeface="Estrangelo Edessa"/>
+        <a:font script="Orya" typeface="Kalinga"/>
+        <a:font script="Mlym" typeface="Kartika"/>
+        <a:font script="Laoo" typeface="DokChampa"/>
+        <a:font script="Sinh" typeface="Iskoola Pota"/>
+        <a:font script="Mong" typeface="Mongolian Baiti"/>
+        <a:font script="Viet" typeface="Times New Roman"/>
+        <a:font script="Uigh" typeface="Microsoft Uighur"/>
+        <a:font script="Geor" typeface="Sylfaen"/>
+      </a:majorFont>
+      <a:minorFont>
+        <a:latin typeface="Arial"/>
+        <a:ea typeface=""/>
+        <a:cs typeface=""/>
+        <a:font script="Jpan" typeface="ＭＳ Ｐゴシック"/>
+        <a:font script="Hang" typeface="맑은 고딕"/>
+        <a:font script="Hans" typeface="宋体"/>
+        <a:font script="Hant" typeface="新細明體"/>
+        <a:font script="Arab" typeface="Arial"/>
+        <a:font script="Hebr" typeface="Arial"/>
+        <a:font script="Thai" typeface="Cordia New"/>
+        <a:font script="Ethi" typeface="Nyala"/>
+        <a:font script="Beng" typeface="Vrinda"/>
+        <a:font script="Gujr" typeface="Shruti"/>
+        <a:font script="Khmr" typeface="DaunPenh"/>
+        <a:font script="Knda" typeface="Tunga"/>
+        <a:font script="Guru" typeface="Raavi"/>
+        <a:font script="Cans" typeface="Euphemia"/>
+        <a:font script="Cher" typeface="Plantagenet Cherokee"/>
+        <a:font script="Yiii" typeface="Microsoft Yi Baiti"/>
+        <a:font script="Tibt" typeface="Microsoft Himalaya"/>
+        <a:font script="Thaa" typeface="MV Boli"/>
+        <a:font script="Deva" typeface="Mangal"/>
+        <a:font script="Telu" typeface="Gautami"/>
+        <a:font script="Taml" typeface="Latha"/>
+        <a:font script="Syrc" typeface="Estrangelo Edessa"/>
+        <a:font script="Orya" typeface="Kalinga"/>
+        <a:font script="Mlym" typeface="Kartika"/>
+        <a:font script="Laoo" typeface="DokChampa"/>
+        <a:font script="Sinh" typeface="Iskoola Pota"/>
+        <a:font script="Mong" typeface="Mongolian Baiti"/>
+        <a:font script="Viet" typeface="Arial"/>
+        <a:font script="Uigh" typeface="Microsoft Uighur"/>
+        <a:font script="Geor" typeface="Sylfaen"/>
+      </a:minorFont>
+    </a:fontScheme>
+    <a:fmtScheme name="Office">
+      <a:fillStyleLst>
+        <a:solidFill>
+          <a:schemeClr val="phClr"/>
+        </a:solidFill>
+        <a:gradFill rotWithShape="1">
+          <a:gsLst>
+            <a:gs pos="0">
+              <a:schemeClr val="phClr">
+                <a:tint val="50000"/>
+                <a:satMod val="300000"/>
+              </a:schemeClr>
+            </a:gs>
+            <a:gs pos="35000">
+              <a:schemeClr val="phClr">
+                <a:tint val="37000"/>
+                <a:satMod val="300000"/>
+              </a:schemeClr>
+            </a:gs>
+            <a:gs pos="100000">
+              <a:schemeClr val="phClr">
+                <a:tint val="15000"/>
+                <a:satMod val="350000"/>
+              </a:schemeClr>
+            </a:gs>
+          </a:gsLst>
+          <a:lin ang="16200000" scaled="1"/>
+        </a:gradFill>
+        <a:gradFill rotWithShape="1">
+          <a:gsLst>
+            <a:gs pos="0">
+              <a:schemeClr val="phClr">
+                <a:tint val="100000"/>
+                <a:shade val="100000"/>
+                <a:satMod val="130000"/>
+              </a:schemeClr>
+            </a:gs>
+            <a:gs pos="100000">
+              <a:schemeClr val="phClr">
+                <a:tint val="50000"/>
+                <a:shade val="100000"/>
+                <a:satMod val="350000"/>
+              </a:schemeClr>
+            </a:gs>
+          </a:gsLst>
+          <a:lin ang="16200000" scaled="0"/>
+        </a:gradFill>
+      </a:fillStyleLst>
+      <a:lnStyleLst>
+        <a:ln w="9525" cap="flat" cmpd="sng" algn="ctr">
+          <a:solidFill>
+            <a:schemeClr val="phClr">
+              <a:shade val="95000"/>
+              <a:satMod val="105000"/>
+            </a:schemeClr>
+          </a:solidFill>
+          <a:prstDash val="solid"/>
+        </a:ln>
+        <a:ln w="25400" cap="flat" cmpd="sng" algn="ctr">
+          <a:solidFill>
+            <a:schemeClr val="phClr"/>
+          </a:solidFill>
+          <a:prstDash val="solid"/>
+        </a:ln>
+        <a:ln w="38100" cap="flat" cmpd="sng" algn="ctr">
+          <a:solidFill>
+            <a:schemeClr val="phClr"/>
+          </a:solidFill>
+          <a:prstDash val="solid"/>
+        </a:ln>
+      </a:lnStyleLst>
+      <a:effectStyleLst>
+        <a:effectStyle>
+          <a:effectLst>
+            <a:outerShdw blurRad="40000" dist="20000" dir="5400000" rotWithShape="0">
+              <a:srgbClr val="000000">
+                <a:alpha val="38000"/>
+              </a:srgbClr>
+            </a:outerShdw>
+          </a:effectLst>
+        </a:effectStyle>
+        <a:effectStyle>
+          <a:effectLst>
+            <a:outerShdw blurRad="40000" dist="23000" dir="5400000" rotWithShape="0">
+              <a:srgbClr val="000000">
+                <a:alpha val="35000"/>
+              </a:srgbClr>
+            </a:outerShdw>
+          </a:effectLst>
+        </a:effectStyle>
+        <a:effectStyle>
+          <a:effectLst>
+            <a:outerShdw blurRad="40000" dist="23000" dir="5400000" rotWithShape="0">
+              <a:srgbClr val="000000">
+                <a:alpha val="35000"/>
+              </a:srgbClr>
+            </a:outerShdw>
+          </a:effectLst>
+          <a:scene3d>
+            <a:camera prst="orthographicFront">
+              <a:rot lat="0" lon="0" rev="0"/>
+            </a:camera>
+            <a:lightRig rig="threePt" dir="t">
+              <a:rot lat="0" lon="0" rev="1200000"/>
+            </a:lightRig>
+          </a:scene3d>
+          <a:sp3d>
+            <a:bevelT w="63500" h="25400"/>
+          </a:sp3d>
+        </a:effectStyle>
+      </a:effectStyleLst>
+      <a:bgFillStyleLst>
+        <a:solidFill>
+          <a:schemeClr val="phClr"/>
+        </a:solidFill>
+        <a:gradFill rotWithShape="1">
+          <a:gsLst>
+            <a:gs pos="0">
+              <a:schemeClr val="phClr">
+                <a:tint val="40000"/>
+                <a:satMod val="350000"/>
+              </a:schemeClr>
+            </a:gs>
+            <a:gs pos="40000">
+              <a:schemeClr val="phClr">
+                <a:tint val="45000"/>
+                <a:shade val="99000"/>
+                <a:satMod val="350000"/>
+              </a:schemeClr>
+            </a:gs>
+            <a:gs pos="100000">
+              <a:schemeClr val="phClr">
+                <a:shade val="20000"/>
+                <a:satMod val="255000"/>
+              </a:schemeClr>
+            </a:gs>
+          </a:gsLst>
+          <a:path path="circle">
+            <a:fillToRect l="50000" t="-80000" r="50000" b="180000"/>
+          </a:path>
+        </a:gradFill>
+        <a:gradFill rotWithShape="1">
+          <a:gsLst>
+            <a:gs pos="0">
+              <a:schemeClr val="phClr">
+                <a:tint val="80000"/>
+                <a:satMod val="300000"/>
+              </a:schemeClr>
+            </a:gs>
+            <a:gs pos="100000">
+              <a:schemeClr val="phClr">
+                <a:shade val="30000"/>
+                <a:satMod val="200000"/>
+              </a:schemeClr>
+            </a:gs>
+          </a:gsLst>
+          <a:path path="circle">
+            <a:fillToRect l="50000" t="50000" r="50000" b="50000"/>
+          </a:path>
+        </a:gradFill>
+      </a:bgFillStyleLst>
+    </a:fmtScheme>
+  </a:themeElements>
+</a:theme>
+</file>
+
+<file path=ppt/theme/theme2.xml><?xml version="1.0" encoding="utf-8"?>
 <a:theme xmlns:a="http://schemas.openxmlformats.org/drawingml/2006/main" xmlns:r="http://schemas.openxmlformats.org/officeDocument/2006/relationships">
   <a:themeElements>
     <a:clrScheme name="Default">
@@ -17833,283 +18136,4 @@
     </a:fmtScheme>
   </a:themeElements>
 </a:theme>
-</file>
-
-<file path=ppt/theme/theme2.xml><?xml version="1.0" encoding="utf-8"?>
-<a:theme xmlns:a="http://schemas.openxmlformats.org/drawingml/2006/main" xmlns:r="http://schemas.openxmlformats.org/officeDocument/2006/relationships" name="Office Theme">
-  <a:themeElements>
-    <a:clrScheme name="Office">
-      <a:dk1>
-        <a:srgbClr val="000000"/>
-      </a:dk1>
-      <a:lt1>
-        <a:srgbClr val="FFFFFF"/>
-      </a:lt1>
-      <a:dk2>
-        <a:srgbClr val="1F497D"/>
-      </a:dk2>
-      <a:lt2>
-        <a:srgbClr val="EEECE1"/>
-      </a:lt2>
-      <a:accent1>
-        <a:srgbClr val="4F81BD"/>
-      </a:accent1>
-      <a:accent2>
-        <a:srgbClr val="C0504D"/>
-      </a:accent2>
-      <a:accent3>
-        <a:srgbClr val="9BBB59"/>
-      </a:accent3>
-      <a:accent4>
-        <a:srgbClr val="8064A2"/>
-      </a:accent4>
-      <a:accent5>
-        <a:srgbClr val="4BACC6"/>
-      </a:accent5>
-      <a:accent6>
-        <a:srgbClr val="F79646"/>
-      </a:accent6>
-      <a:hlink>
-        <a:srgbClr val="0000FF"/>
-      </a:hlink>
-      <a:folHlink>
-        <a:srgbClr val="800080"/>
-      </a:folHlink>
-    </a:clrScheme>
-    <a:fontScheme name="Office">
-      <a:majorFont>
-        <a:latin typeface="Arial"/>
-        <a:ea typeface=""/>
-        <a:cs typeface=""/>
-        <a:font script="Jpan" typeface="ＭＳ Ｐゴシック"/>
-        <a:font script="Hang" typeface="맑은 고딕"/>
-        <a:font script="Hans" typeface="宋体"/>
-        <a:font script="Hant" typeface="新細明體"/>
-        <a:font script="Arab" typeface="Times New Roman"/>
-        <a:font script="Hebr" typeface="Times New Roman"/>
-        <a:font script="Thai" typeface="Angsana New"/>
-        <a:font script="Ethi" typeface="Nyala"/>
-        <a:font script="Beng" typeface="Vrinda"/>
-        <a:font script="Gujr" typeface="Shruti"/>
-        <a:font script="Khmr" typeface="MoolBoran"/>
-        <a:font script="Knda" typeface="Tunga"/>
-        <a:font script="Guru" typeface="Raavi"/>
-        <a:font script="Cans" typeface="Euphemia"/>
-        <a:font script="Cher" typeface="Plantagenet Cherokee"/>
-        <a:font script="Yiii" typeface="Microsoft Yi Baiti"/>
-        <a:font script="Tibt" typeface="Microsoft Himalaya"/>
-        <a:font script="Thaa" typeface="MV Boli"/>
-        <a:font script="Deva" typeface="Mangal"/>
-        <a:font script="Telu" typeface="Gautami"/>
-        <a:font script="Taml" typeface="Latha"/>
-        <a:font script="Syrc" typeface="Estrangelo Edessa"/>
-        <a:font script="Orya" typeface="Kalinga"/>
-        <a:font script="Mlym" typeface="Kartika"/>
-        <a:font script="Laoo" typeface="DokChampa"/>
-        <a:font script="Sinh" typeface="Iskoola Pota"/>
-        <a:font script="Mong" typeface="Mongolian Baiti"/>
-        <a:font script="Viet" typeface="Times New Roman"/>
-        <a:font script="Uigh" typeface="Microsoft Uighur"/>
-        <a:font script="Geor" typeface="Sylfaen"/>
-      </a:majorFont>
-      <a:minorFont>
-        <a:latin typeface="Arial"/>
-        <a:ea typeface=""/>
-        <a:cs typeface=""/>
-        <a:font script="Jpan" typeface="ＭＳ Ｐゴシック"/>
-        <a:font script="Hang" typeface="맑은 고딕"/>
-        <a:font script="Hans" typeface="宋体"/>
-        <a:font script="Hant" typeface="新細明體"/>
-        <a:font script="Arab" typeface="Arial"/>
-        <a:font script="Hebr" typeface="Arial"/>
-        <a:font script="Thai" typeface="Cordia New"/>
-        <a:font script="Ethi" typeface="Nyala"/>
-        <a:font script="Beng" typeface="Vrinda"/>
-        <a:font script="Gujr" typeface="Shruti"/>
-        <a:font script="Khmr" typeface="DaunPenh"/>
-        <a:font script="Knda" typeface="Tunga"/>
-        <a:font script="Guru" typeface="Raavi"/>
-        <a:font script="Cans" typeface="Euphemia"/>
-        <a:font script="Cher" typeface="Plantagenet Cherokee"/>
-        <a:font script="Yiii" typeface="Microsoft Yi Baiti"/>
-        <a:font script="Tibt" typeface="Microsoft Himalaya"/>
-        <a:font script="Thaa" typeface="MV Boli"/>
-        <a:font script="Deva" typeface="Mangal"/>
-        <a:font script="Telu" typeface="Gautami"/>
-        <a:font script="Taml" typeface="Latha"/>
-        <a:font script="Syrc" typeface="Estrangelo Edessa"/>
-        <a:font script="Orya" typeface="Kalinga"/>
-        <a:font script="Mlym" typeface="Kartika"/>
-        <a:font script="Laoo" typeface="DokChampa"/>
-        <a:font script="Sinh" typeface="Iskoola Pota"/>
-        <a:font script="Mong" typeface="Mongolian Baiti"/>
-        <a:font script="Viet" typeface="Arial"/>
-        <a:font script="Uigh" typeface="Microsoft Uighur"/>
-        <a:font script="Geor" typeface="Sylfaen"/>
-      </a:minorFont>
-    </a:fontScheme>
-    <a:fmtScheme name="Office">
-      <a:fillStyleLst>
-        <a:solidFill>
-          <a:schemeClr val="phClr"/>
-        </a:solidFill>
-        <a:gradFill rotWithShape="1">
-          <a:gsLst>
-            <a:gs pos="0">
-              <a:schemeClr val="phClr">
-                <a:tint val="50000"/>
-                <a:satMod val="300000"/>
-              </a:schemeClr>
-            </a:gs>
-            <a:gs pos="35000">
-              <a:schemeClr val="phClr">
-                <a:tint val="37000"/>
-                <a:satMod val="300000"/>
-              </a:schemeClr>
-            </a:gs>
-            <a:gs pos="100000">
-              <a:schemeClr val="phClr">
-                <a:tint val="15000"/>
-                <a:satMod val="350000"/>
-              </a:schemeClr>
-            </a:gs>
-          </a:gsLst>
-          <a:lin ang="16200000" scaled="1"/>
-        </a:gradFill>
-        <a:gradFill rotWithShape="1">
-          <a:gsLst>
-            <a:gs pos="0">
-              <a:schemeClr val="phClr">
-                <a:tint val="100000"/>
-                <a:shade val="100000"/>
-                <a:satMod val="130000"/>
-              </a:schemeClr>
-            </a:gs>
-            <a:gs pos="100000">
-              <a:schemeClr val="phClr">
-                <a:tint val="50000"/>
-                <a:shade val="100000"/>
-                <a:satMod val="350000"/>
-              </a:schemeClr>
-            </a:gs>
-          </a:gsLst>
-          <a:lin ang="16200000" scaled="0"/>
-        </a:gradFill>
-      </a:fillStyleLst>
-      <a:lnStyleLst>
-        <a:ln w="9525" cap="flat" cmpd="sng" algn="ctr">
-          <a:solidFill>
-            <a:schemeClr val="phClr">
-              <a:shade val="95000"/>
-              <a:satMod val="105000"/>
-            </a:schemeClr>
-          </a:solidFill>
-          <a:prstDash val="solid"/>
-        </a:ln>
-        <a:ln w="25400" cap="flat" cmpd="sng" algn="ctr">
-          <a:solidFill>
-            <a:schemeClr val="phClr"/>
-          </a:solidFill>
-          <a:prstDash val="solid"/>
-        </a:ln>
-        <a:ln w="38100" cap="flat" cmpd="sng" algn="ctr">
-          <a:solidFill>
-            <a:schemeClr val="phClr"/>
-          </a:solidFill>
-          <a:prstDash val="solid"/>
-        </a:ln>
-      </a:lnStyleLst>
-      <a:effectStyleLst>
-        <a:effectStyle>
-          <a:effectLst>
-            <a:outerShdw blurRad="40000" dist="20000" dir="5400000" rotWithShape="0">
-              <a:srgbClr val="000000">
-                <a:alpha val="38000"/>
-              </a:srgbClr>
-            </a:outerShdw>
-          </a:effectLst>
-        </a:effectStyle>
-        <a:effectStyle>
-          <a:effectLst>
-            <a:outerShdw blurRad="40000" dist="23000" dir="5400000" rotWithShape="0">
-              <a:srgbClr val="000000">
-                <a:alpha val="35000"/>
-              </a:srgbClr>
-            </a:outerShdw>
-          </a:effectLst>
-        </a:effectStyle>
-        <a:effectStyle>
-          <a:effectLst>
-            <a:outerShdw blurRad="40000" dist="23000" dir="5400000" rotWithShape="0">
-              <a:srgbClr val="000000">
-                <a:alpha val="35000"/>
-              </a:srgbClr>
-            </a:outerShdw>
-          </a:effectLst>
-          <a:scene3d>
-            <a:camera prst="orthographicFront">
-              <a:rot lat="0" lon="0" rev="0"/>
-            </a:camera>
-            <a:lightRig rig="threePt" dir="t">
-              <a:rot lat="0" lon="0" rev="1200000"/>
-            </a:lightRig>
-          </a:scene3d>
-          <a:sp3d>
-            <a:bevelT w="63500" h="25400"/>
-          </a:sp3d>
-        </a:effectStyle>
-      </a:effectStyleLst>
-      <a:bgFillStyleLst>
-        <a:solidFill>
-          <a:schemeClr val="phClr"/>
-        </a:solidFill>
-        <a:gradFill rotWithShape="1">
-          <a:gsLst>
-            <a:gs pos="0">
-              <a:schemeClr val="phClr">
-                <a:tint val="40000"/>
-                <a:satMod val="350000"/>
-              </a:schemeClr>
-            </a:gs>
-            <a:gs pos="40000">
-              <a:schemeClr val="phClr">
-                <a:tint val="45000"/>
-                <a:shade val="99000"/>
-                <a:satMod val="350000"/>
-              </a:schemeClr>
-            </a:gs>
-            <a:gs pos="100000">
-              <a:schemeClr val="phClr">
-                <a:shade val="20000"/>
-                <a:satMod val="255000"/>
-              </a:schemeClr>
-            </a:gs>
-          </a:gsLst>
-          <a:path path="circle">
-            <a:fillToRect l="50000" t="-80000" r="50000" b="180000"/>
-          </a:path>
-        </a:gradFill>
-        <a:gradFill rotWithShape="1">
-          <a:gsLst>
-            <a:gs pos="0">
-              <a:schemeClr val="phClr">
-                <a:tint val="80000"/>
-                <a:satMod val="300000"/>
-              </a:schemeClr>
-            </a:gs>
-            <a:gs pos="100000">
-              <a:schemeClr val="phClr">
-                <a:shade val="30000"/>
-                <a:satMod val="200000"/>
-              </a:schemeClr>
-            </a:gs>
-          </a:gsLst>
-          <a:path path="circle">
-            <a:fillToRect l="50000" t="50000" r="50000" b="50000"/>
-          </a:path>
-        </a:gradFill>
-      </a:bgFillStyleLst>
-    </a:fmtScheme>
-  </a:themeElements>
-</a:theme>
 </file>